--- a/2026/lectures/01-intro.pptx
+++ b/2026/lectures/01-intro.pptx
@@ -23,7 +23,8 @@
     <p:sldId id="341" r:id="rId17"/>
     <p:sldId id="343" r:id="rId18"/>
     <p:sldId id="349" r:id="rId19"/>
-    <p:sldId id="353" r:id="rId20"/>
+    <p:sldId id="356" r:id="rId20"/>
+    <p:sldId id="353" r:id="rId21"/>
   </p:sldIdLst>
   <p:sldSz cx="12192000" cy="6858000"/>
   <p:notesSz cx="6858000" cy="9144000"/>
@@ -6038,7 +6039,7 @@
             </a:r>
             <a:r>
               <a:rPr lang="en-US" sz="2000" i="1" dirty="0"/>
-              <a:t>Guarantee limiting what personal data can be learned via output </a:t>
+              <a:t>Provable guarantee limiting what personal data can be learned via output </a:t>
             </a:r>
           </a:p>
         </p:txBody>
@@ -6726,14 +6727,14 @@
             </a:pPr>
             <a:r>
               <a:rPr lang="en-US" sz="2400" dirty="0"/>
-              <a:t>Recurring themes</a:t>
+              <a:t>Recurring themes; ways of…</a:t>
             </a:r>
           </a:p>
           <a:p>
             <a:pPr lvl="1"/>
             <a:r>
               <a:rPr lang="en-US" sz="2000" dirty="0"/>
-              <a:t>Ways of specifying computations that are secure, i.e. </a:t>
+              <a:t>specifying computations that are secure, i.e. </a:t>
             </a:r>
             <a:r>
               <a:rPr lang="en-US" sz="2000" i="1" dirty="0"/>
@@ -6744,7 +6745,7 @@
             <a:pPr lvl="1"/>
             <a:r>
               <a:rPr lang="en-US" sz="2000" dirty="0"/>
-              <a:t>Ways of ensuring that code meets policy, i.e. </a:t>
+              <a:t>ensuring that code meets policy, i.e. </a:t>
             </a:r>
             <a:r>
               <a:rPr lang="en-US" sz="2000" i="1" dirty="0"/>
@@ -6755,7 +6756,7 @@
             <a:pPr lvl="1"/>
             <a:r>
               <a:rPr lang="en-US" sz="2000" dirty="0"/>
-              <a:t>Ways of connecting the two rigorously, i.e. </a:t>
+              <a:t>connecting the two rigorously, i.e. </a:t>
             </a:r>
             <a:r>
               <a:rPr lang="en-US" sz="2000" i="1" dirty="0"/>
@@ -9248,7 +9249,7 @@
         </p:spPr>
         <p:txBody>
           <a:bodyPr>
-            <a:normAutofit fontScale="85000" lnSpcReduction="20000"/>
+            <a:normAutofit fontScale="92500" lnSpcReduction="20000"/>
           </a:bodyPr>
           <a:lstStyle/>
           <a:p>
@@ -9417,22 +9418,14 @@
             <a:pPr lvl="1"/>
             <a:r>
               <a:rPr lang="en-US" sz="2000" dirty="0"/>
-              <a:t>We can help with: understanding the setting/concepts, critiquing your approach, explaining strengths/limitations of tools</a:t>
+              <a:t>We can help with: understanding the setting/concepts, critiquing your approach</a:t>
             </a:r>
           </a:p>
           <a:p>
             <a:pPr lvl="1"/>
             <a:r>
               <a:rPr lang="en-US" sz="2000" dirty="0"/>
-              <a:t>We’re less useful for: debugging code, leaking </a:t>
-            </a:r>
-            <a:r>
-              <a:rPr lang="en-US" sz="2000" dirty="0" err="1"/>
-              <a:t>autograder</a:t>
-            </a:r>
-            <a:r>
-              <a:rPr lang="en-US" sz="2000" dirty="0"/>
-              <a:t> tests, giving last-minute hints</a:t>
+              <a:t>We wont help with: debugging code, proposing an approach</a:t>
             </a:r>
           </a:p>
           <a:p>
@@ -9753,7 +9746,7 @@
           <p:cNvPr id="2" name="Title 1">
             <a:extLst>
               <a:ext uri="{FF2B5EF4-FFF2-40B4-BE49-F238E27FC236}">
-                <a16:creationId xmlns:a16="http://schemas.microsoft.com/office/drawing/2014/main" id="{730BCDD7-3B54-64B4-AC4C-8C9E598A96A7}"/>
+                <a16:creationId xmlns:a16="http://schemas.microsoft.com/office/drawing/2014/main" id="{24E5B28A-4E18-B216-A9C9-43605072C37A}"/>
               </a:ext>
             </a:extLst>
           </p:cNvPr>
@@ -9762,9 +9755,6 @@
           </p:cNvSpPr>
           <p:nvPr>
             <p:ph type="title"/>
-            <p:custDataLst>
-              <p:tags r:id="rId1"/>
-            </p:custDataLst>
           </p:nvPr>
         </p:nvSpPr>
         <p:spPr/>
@@ -9774,7 +9764,7 @@
           <a:p>
             <a:r>
               <a:rPr lang="en-US" dirty="0"/>
-              <a:t>Before Thursday</a:t>
+              <a:t>Use of AI tools</a:t>
             </a:r>
           </a:p>
         </p:txBody>
@@ -9784,7 +9774,7 @@
           <p:cNvPr id="3" name="Content Placeholder 2">
             <a:extLst>
               <a:ext uri="{FF2B5EF4-FFF2-40B4-BE49-F238E27FC236}">
-                <a16:creationId xmlns:a16="http://schemas.microsoft.com/office/drawing/2014/main" id="{4F007031-CC8E-5F67-C101-0B73914ED5FC}"/>
+                <a16:creationId xmlns:a16="http://schemas.microsoft.com/office/drawing/2014/main" id="{C12AB568-6638-7D72-E3BB-25A5C28F4765}"/>
               </a:ext>
             </a:extLst>
           </p:cNvPr>
@@ -9793,195 +9783,358 @@
           </p:cNvSpPr>
           <p:nvPr>
             <p:ph sz="half" idx="1"/>
-            <p:custDataLst>
-              <p:tags r:id="rId2"/>
-            </p:custDataLst>
           </p:nvPr>
         </p:nvSpPr>
-        <p:spPr>
-          <a:xfrm>
-            <a:off x="838199" y="1825625"/>
-            <a:ext cx="10278534" cy="4351338"/>
-          </a:xfrm>
-        </p:spPr>
+        <p:spPr/>
         <p:txBody>
-          <a:bodyPr>
-            <a:normAutofit/>
-          </a:bodyPr>
+          <a:bodyPr/>
           <a:lstStyle/>
           <a:p>
             <a:pPr marL="0" indent="0">
               <a:buNone/>
-              <a:defRPr/>
             </a:pPr>
             <a:r>
-              <a:rPr kumimoji="0" lang="en-US" sz="2400" strike="noStrike" kern="1200" cap="none" spc="0" normalizeH="0" noProof="0" dirty="0">
-                <a:ln>
-                  <a:noFill/>
-                </a:ln>
-                <a:solidFill>
-                  <a:schemeClr val="tx1">
-                    <a:lumMod val="100000"/>
-                  </a:schemeClr>
-                </a:solidFill>
-                <a:effectLst/>
-                <a:uLnTx/>
-                <a:uFillTx/>
-                <a:latin typeface="Avenir Next LT Pro" panose="020B0504020202020204" pitchFamily="34" charset="0"/>
-                <a:ea typeface="+mn-ea"/>
-                <a:cs typeface="+mn-cs"/>
-              </a:rPr>
-              <a:t>Make sure that you are enrolled in </a:t>
-            </a:r>
-            <a:r>
-              <a:rPr kumimoji="0" lang="en-US" sz="2400" strike="noStrike" kern="1200" cap="none" spc="0" normalizeH="0" noProof="0" dirty="0" err="1">
-                <a:ln>
-                  <a:noFill/>
-                </a:ln>
-                <a:solidFill>
-                  <a:schemeClr val="tx1">
-                    <a:lumMod val="100000"/>
-                  </a:schemeClr>
-                </a:solidFill>
-                <a:effectLst/>
-                <a:uLnTx/>
-                <a:uFillTx/>
-                <a:latin typeface="Avenir Next LT Pro" panose="020B0504020202020204" pitchFamily="34" charset="0"/>
-                <a:ea typeface="+mn-ea"/>
-                <a:cs typeface="+mn-cs"/>
-              </a:rPr>
-              <a:t>Gradescope</a:t>
-            </a:r>
-            <a:r>
-              <a:rPr kumimoji="0" lang="en-US" sz="2400" strike="noStrike" kern="1200" cap="none" spc="0" normalizeH="0" noProof="0" dirty="0">
-                <a:ln>
-                  <a:noFill/>
-                </a:ln>
-                <a:solidFill>
-                  <a:schemeClr val="tx1">
-                    <a:lumMod val="100000"/>
-                  </a:schemeClr>
-                </a:solidFill>
-                <a:effectLst/>
-                <a:uLnTx/>
-                <a:uFillTx/>
-                <a:latin typeface="Avenir Next LT Pro" panose="020B0504020202020204" pitchFamily="34" charset="0"/>
-                <a:ea typeface="+mn-ea"/>
-                <a:cs typeface="+mn-cs"/>
-              </a:rPr>
-              <a:t>, Canvas, Piazza sections</a:t>
-            </a:r>
-          </a:p>
-          <a:p>
-            <a:pPr lvl="1">
-              <a:defRPr/>
+              <a:rPr lang="en-US" dirty="0"/>
+              <a:t>You </a:t>
+            </a:r>
+            <a:r>
+              <a:rPr lang="en-US" b="1" dirty="0"/>
+              <a:t>may</a:t>
+            </a:r>
+            <a:r>
+              <a:rPr lang="en-US" dirty="0"/>
+              <a:t> use AI to:</a:t>
+            </a:r>
+          </a:p>
+          <a:p>
+            <a:pPr lvl="1"/>
+            <a:r>
+              <a:rPr lang="en-US" dirty="0"/>
+              <a:t>Explain, answer questions about concepts covered in the course</a:t>
+            </a:r>
+          </a:p>
+          <a:p>
+            <a:pPr lvl="1"/>
+            <a:r>
+              <a:rPr lang="en-US" dirty="0"/>
+              <a:t>Check your understanding—but be careful, and check references!</a:t>
+            </a:r>
+          </a:p>
+          <a:p>
+            <a:pPr lvl="1"/>
+            <a:r>
+              <a:rPr lang="en-US" dirty="0"/>
+              <a:t>Generate practice exercises</a:t>
+            </a:r>
+          </a:p>
+          <a:p>
+            <a:pPr lvl="1"/>
+            <a:r>
+              <a:rPr lang="en-US" dirty="0"/>
+              <a:t>Help typeset work that you’ve already completed</a:t>
+            </a:r>
+          </a:p>
+          <a:p>
+            <a:pPr lvl="1"/>
+            <a:endParaRPr lang="en-US" dirty="0"/>
+          </a:p>
+          <a:p>
+            <a:pPr lvl="1"/>
+            <a:endParaRPr lang="en-US" dirty="0"/>
+          </a:p>
+        </p:txBody>
+      </p:sp>
+      <p:sp>
+        <p:nvSpPr>
+          <p:cNvPr id="4" name="Content Placeholder 3">
+            <a:extLst>
+              <a:ext uri="{FF2B5EF4-FFF2-40B4-BE49-F238E27FC236}">
+                <a16:creationId xmlns:a16="http://schemas.microsoft.com/office/drawing/2014/main" id="{F5CCA74A-2398-8FB8-BF41-0BF631FF54F3}"/>
+              </a:ext>
+            </a:extLst>
+          </p:cNvPr>
+          <p:cNvSpPr>
+            <a:spLocks noGrp="1"/>
+          </p:cNvSpPr>
+          <p:nvPr>
+            <p:ph sz="half" idx="2"/>
+          </p:nvPr>
+        </p:nvSpPr>
+        <p:spPr/>
+        <p:txBody>
+          <a:bodyPr/>
+          <a:lstStyle/>
+          <a:p>
+            <a:pPr marL="0" indent="0">
+              <a:buNone/>
             </a:pPr>
             <a:r>
-              <a:rPr kumimoji="0" lang="en-US" sz="2000" strike="noStrike" kern="1200" cap="none" spc="0" normalizeH="0" noProof="0" dirty="0">
-                <a:ln>
-                  <a:noFill/>
-                </a:ln>
-                <a:solidFill>
-                  <a:schemeClr val="tx1">
-                    <a:lumMod val="100000"/>
-                  </a:schemeClr>
-                </a:solidFill>
-                <a:effectLst/>
-                <a:uLnTx/>
-                <a:uFillTx/>
-                <a:latin typeface="Avenir Next LT Pro" panose="020B0504020202020204" pitchFamily="34" charset="0"/>
-                <a:ea typeface="+mn-ea"/>
-                <a:cs typeface="+mn-cs"/>
-              </a:rPr>
-              <a:t>Piazza signup: https://piazza.com/class/llttvbb8vxs3kf </a:t>
-            </a:r>
-          </a:p>
-          <a:p>
-            <a:pPr lvl="1">
-              <a:defRPr/>
-            </a:pPr>
-            <a:r>
-              <a:rPr kumimoji="0" lang="en-US" sz="2000" strike="noStrike" kern="1200" cap="none" spc="0" normalizeH="0" noProof="0" dirty="0" err="1">
-                <a:ln>
-                  <a:noFill/>
-                </a:ln>
-                <a:solidFill>
-                  <a:schemeClr val="tx1">
-                    <a:lumMod val="100000"/>
-                  </a:schemeClr>
-                </a:solidFill>
-                <a:effectLst/>
-                <a:uLnTx/>
-                <a:uFillTx/>
-                <a:latin typeface="Avenir Next LT Pro" panose="020B0504020202020204" pitchFamily="34" charset="0"/>
-                <a:ea typeface="+mn-ea"/>
-                <a:cs typeface="+mn-cs"/>
-              </a:rPr>
-              <a:t>Gradescope</a:t>
-            </a:r>
-            <a:r>
-              <a:rPr kumimoji="0" lang="en-US" sz="2000" strike="noStrike" kern="1200" cap="none" spc="0" normalizeH="0" noProof="0" dirty="0">
-                <a:ln>
-                  <a:noFill/>
-                </a:ln>
-                <a:solidFill>
-                  <a:schemeClr val="tx1">
-                    <a:lumMod val="100000"/>
-                  </a:schemeClr>
-                </a:solidFill>
-                <a:effectLst/>
-                <a:uLnTx/>
-                <a:uFillTx/>
-                <a:latin typeface="Avenir Next LT Pro" panose="020B0504020202020204" pitchFamily="34" charset="0"/>
-                <a:ea typeface="+mn-ea"/>
-                <a:cs typeface="+mn-cs"/>
-              </a:rPr>
-              <a:t> code: KK5PZ7</a:t>
-            </a:r>
-          </a:p>
-          <a:p>
-            <a:pPr lvl="1">
-              <a:defRPr/>
-            </a:pPr>
-            <a:r>
-              <a:rPr kumimoji="0" lang="en-US" sz="2000" strike="noStrike" kern="1200" cap="none" spc="0" normalizeH="0" noProof="0" dirty="0">
-                <a:ln>
-                  <a:noFill/>
-                </a:ln>
-                <a:solidFill>
-                  <a:schemeClr val="tx1">
-                    <a:lumMod val="100000"/>
-                  </a:schemeClr>
-                </a:solidFill>
-                <a:effectLst/>
-                <a:uLnTx/>
-                <a:uFillTx/>
-                <a:latin typeface="Avenir Next LT Pro" panose="020B0504020202020204" pitchFamily="34" charset="0"/>
-                <a:ea typeface="+mn-ea"/>
-                <a:cs typeface="+mn-cs"/>
-              </a:rPr>
-              <a:t>Canvas link: https://canvas.cmu.edu/courses/37184</a:t>
+              <a:rPr lang="en-US" dirty="0"/>
+              <a:t>You </a:t>
+            </a:r>
+            <a:r>
+              <a:rPr lang="en-US" b="1" dirty="0"/>
+              <a:t>may not</a:t>
+            </a:r>
+            <a:r>
+              <a:rPr lang="en-US" dirty="0"/>
+              <a:t> use AI to:</a:t>
             </a:r>
           </a:p>
           <a:p>
             <a:pPr lvl="1"/>
-            <a:endParaRPr lang="en-US" sz="2000" dirty="0"/>
-          </a:p>
-          <a:p>
-            <a:endParaRPr lang="en-US" sz="2400" dirty="0"/>
+            <a:r>
+              <a:rPr lang="en-US" dirty="0"/>
+              <a:t>Write </a:t>
+            </a:r>
+            <a:r>
+              <a:rPr lang="en-US" i="1" dirty="0"/>
+              <a:t>any</a:t>
+            </a:r>
+            <a:r>
+              <a:rPr lang="en-US" dirty="0"/>
+              <a:t> code for the labs</a:t>
+            </a:r>
+          </a:p>
+          <a:p>
+            <a:pPr lvl="1"/>
+            <a:r>
+              <a:rPr lang="en-US" dirty="0"/>
+              <a:t>Write test cases that you hand in for a grade</a:t>
+            </a:r>
+          </a:p>
+          <a:p>
+            <a:pPr lvl="1"/>
+            <a:r>
+              <a:rPr lang="en-US" dirty="0"/>
+              <a:t>Provide answers for written homework</a:t>
+            </a:r>
+          </a:p>
+          <a:p>
+            <a:pPr lvl="1"/>
+            <a:r>
+              <a:rPr lang="en-US" dirty="0"/>
+              <a:t>Generally: complete graded work for you</a:t>
+            </a:r>
           </a:p>
         </p:txBody>
       </p:sp>
     </p:spTree>
     <p:extLst>
       <p:ext uri="{BB962C8B-B14F-4D97-AF65-F5344CB8AC3E}">
-        <p14:creationId xmlns:p14="http://schemas.microsoft.com/office/powerpoint/2010/main" val="2837956559"/>
+        <p14:creationId xmlns:p14="http://schemas.microsoft.com/office/powerpoint/2010/main" val="1745941653"/>
       </p:ext>
     </p:extLst>
   </p:cSld>
   <p:clrMapOvr>
     <a:masterClrMapping/>
   </p:clrMapOvr>
+  <p:timing>
+    <p:tnLst>
+      <p:par>
+        <p:cTn id="1" dur="indefinite" restart="never" nodeType="tmRoot">
+          <p:childTnLst>
+            <p:seq concurrent="1" nextAc="seek">
+              <p:cTn id="2" dur="indefinite" nodeType="mainSeq">
+                <p:childTnLst>
+                  <p:par>
+                    <p:cTn id="3" fill="hold">
+                      <p:stCondLst>
+                        <p:cond delay="indefinite"/>
+                      </p:stCondLst>
+                      <p:childTnLst>
+                        <p:par>
+                          <p:cTn id="4" fill="hold">
+                            <p:stCondLst>
+                              <p:cond delay="0"/>
+                            </p:stCondLst>
+                            <p:childTnLst>
+                              <p:par>
+                                <p:cTn id="5" presetID="1" presetClass="entr" presetSubtype="0" fill="hold" grpId="0" nodeType="clickEffect">
+                                  <p:stCondLst>
+                                    <p:cond delay="0"/>
+                                  </p:stCondLst>
+                                  <p:childTnLst>
+                                    <p:set>
+                                      <p:cBhvr>
+                                        <p:cTn id="6" dur="1" fill="hold">
+                                          <p:stCondLst>
+                                            <p:cond delay="0"/>
+                                          </p:stCondLst>
+                                        </p:cTn>
+                                        <p:tgtEl>
+                                          <p:spTgt spid="4">
+                                            <p:txEl>
+                                              <p:pRg st="0" end="0"/>
+                                            </p:txEl>
+                                          </p:spTgt>
+                                        </p:tgtEl>
+                                        <p:attrNameLst>
+                                          <p:attrName>style.visibility</p:attrName>
+                                        </p:attrNameLst>
+                                      </p:cBhvr>
+                                      <p:to>
+                                        <p:strVal val="visible"/>
+                                      </p:to>
+                                    </p:set>
+                                  </p:childTnLst>
+                                </p:cTn>
+                              </p:par>
+                              <p:par>
+                                <p:cTn id="7" presetID="1" presetClass="entr" presetSubtype="0" fill="hold" grpId="0" nodeType="withEffect">
+                                  <p:stCondLst>
+                                    <p:cond delay="0"/>
+                                  </p:stCondLst>
+                                  <p:childTnLst>
+                                    <p:set>
+                                      <p:cBhvr>
+                                        <p:cTn id="8" dur="1" fill="hold">
+                                          <p:stCondLst>
+                                            <p:cond delay="0"/>
+                                          </p:stCondLst>
+                                        </p:cTn>
+                                        <p:tgtEl>
+                                          <p:spTgt spid="4">
+                                            <p:txEl>
+                                              <p:pRg st="1" end="1"/>
+                                            </p:txEl>
+                                          </p:spTgt>
+                                        </p:tgtEl>
+                                        <p:attrNameLst>
+                                          <p:attrName>style.visibility</p:attrName>
+                                        </p:attrNameLst>
+                                      </p:cBhvr>
+                                      <p:to>
+                                        <p:strVal val="visible"/>
+                                      </p:to>
+                                    </p:set>
+                                  </p:childTnLst>
+                                </p:cTn>
+                              </p:par>
+                              <p:par>
+                                <p:cTn id="9" presetID="1" presetClass="entr" presetSubtype="0" fill="hold" grpId="0" nodeType="withEffect">
+                                  <p:stCondLst>
+                                    <p:cond delay="0"/>
+                                  </p:stCondLst>
+                                  <p:childTnLst>
+                                    <p:set>
+                                      <p:cBhvr>
+                                        <p:cTn id="10" dur="1" fill="hold">
+                                          <p:stCondLst>
+                                            <p:cond delay="0"/>
+                                          </p:stCondLst>
+                                        </p:cTn>
+                                        <p:tgtEl>
+                                          <p:spTgt spid="4">
+                                            <p:txEl>
+                                              <p:pRg st="2" end="2"/>
+                                            </p:txEl>
+                                          </p:spTgt>
+                                        </p:tgtEl>
+                                        <p:attrNameLst>
+                                          <p:attrName>style.visibility</p:attrName>
+                                        </p:attrNameLst>
+                                      </p:cBhvr>
+                                      <p:to>
+                                        <p:strVal val="visible"/>
+                                      </p:to>
+                                    </p:set>
+                                  </p:childTnLst>
+                                </p:cTn>
+                              </p:par>
+                              <p:par>
+                                <p:cTn id="11" presetID="1" presetClass="entr" presetSubtype="0" fill="hold" grpId="0" nodeType="withEffect">
+                                  <p:stCondLst>
+                                    <p:cond delay="0"/>
+                                  </p:stCondLst>
+                                  <p:childTnLst>
+                                    <p:set>
+                                      <p:cBhvr>
+                                        <p:cTn id="12" dur="1" fill="hold">
+                                          <p:stCondLst>
+                                            <p:cond delay="0"/>
+                                          </p:stCondLst>
+                                        </p:cTn>
+                                        <p:tgtEl>
+                                          <p:spTgt spid="4">
+                                            <p:txEl>
+                                              <p:pRg st="3" end="3"/>
+                                            </p:txEl>
+                                          </p:spTgt>
+                                        </p:tgtEl>
+                                        <p:attrNameLst>
+                                          <p:attrName>style.visibility</p:attrName>
+                                        </p:attrNameLst>
+                                      </p:cBhvr>
+                                      <p:to>
+                                        <p:strVal val="visible"/>
+                                      </p:to>
+                                    </p:set>
+                                  </p:childTnLst>
+                                </p:cTn>
+                              </p:par>
+                              <p:par>
+                                <p:cTn id="13" presetID="1" presetClass="entr" presetSubtype="0" fill="hold" grpId="0" nodeType="withEffect">
+                                  <p:stCondLst>
+                                    <p:cond delay="0"/>
+                                  </p:stCondLst>
+                                  <p:childTnLst>
+                                    <p:set>
+                                      <p:cBhvr>
+                                        <p:cTn id="14" dur="1" fill="hold">
+                                          <p:stCondLst>
+                                            <p:cond delay="0"/>
+                                          </p:stCondLst>
+                                        </p:cTn>
+                                        <p:tgtEl>
+                                          <p:spTgt spid="4">
+                                            <p:txEl>
+                                              <p:pRg st="4" end="4"/>
+                                            </p:txEl>
+                                          </p:spTgt>
+                                        </p:tgtEl>
+                                        <p:attrNameLst>
+                                          <p:attrName>style.visibility</p:attrName>
+                                        </p:attrNameLst>
+                                      </p:cBhvr>
+                                      <p:to>
+                                        <p:strVal val="visible"/>
+                                      </p:to>
+                                    </p:set>
+                                  </p:childTnLst>
+                                </p:cTn>
+                              </p:par>
+                            </p:childTnLst>
+                          </p:cTn>
+                        </p:par>
+                      </p:childTnLst>
+                    </p:cTn>
+                  </p:par>
+                </p:childTnLst>
+              </p:cTn>
+              <p:prevCondLst>
+                <p:cond evt="onPrev" delay="0">
+                  <p:tgtEl>
+                    <p:sldTgt/>
+                  </p:tgtEl>
+                </p:cond>
+              </p:prevCondLst>
+              <p:nextCondLst>
+                <p:cond evt="onNext" delay="0">
+                  <p:tgtEl>
+                    <p:sldTgt/>
+                  </p:tgtEl>
+                </p:cond>
+              </p:nextCondLst>
+            </p:seq>
+          </p:childTnLst>
+        </p:cTn>
+      </p:par>
+    </p:tnLst>
+    <p:bldLst>
+      <p:bldP spid="4" grpId="0" build="p"/>
+    </p:bldLst>
+  </p:timing>
 </p:sld>
 </file>
 
@@ -10679,6 +10832,278 @@
     <p:extLst>
       <p:ext uri="{BB962C8B-B14F-4D97-AF65-F5344CB8AC3E}">
         <p14:creationId xmlns:p14="http://schemas.microsoft.com/office/powerpoint/2010/main" val="668237919"/>
+      </p:ext>
+    </p:extLst>
+  </p:cSld>
+  <p:clrMapOvr>
+    <a:masterClrMapping/>
+  </p:clrMapOvr>
+</p:sld>
+</file>
+
+<file path=ppt/slides/slide20.xml><?xml version="1.0" encoding="utf-8"?>
+<p:sld xmlns:a="http://schemas.openxmlformats.org/drawingml/2006/main" xmlns:r="http://schemas.openxmlformats.org/officeDocument/2006/relationships" xmlns:p="http://schemas.openxmlformats.org/presentationml/2006/main">
+  <p:cSld>
+    <p:spTree>
+      <p:nvGrpSpPr>
+        <p:cNvPr id="1" name=""/>
+        <p:cNvGrpSpPr/>
+        <p:nvPr/>
+      </p:nvGrpSpPr>
+      <p:grpSpPr>
+        <a:xfrm>
+          <a:off x="0" y="0"/>
+          <a:ext cx="0" cy="0"/>
+          <a:chOff x="0" y="0"/>
+          <a:chExt cx="0" cy="0"/>
+        </a:xfrm>
+      </p:grpSpPr>
+      <p:sp>
+        <p:nvSpPr>
+          <p:cNvPr id="2" name="Title 1">
+            <a:extLst>
+              <a:ext uri="{FF2B5EF4-FFF2-40B4-BE49-F238E27FC236}">
+                <a16:creationId xmlns:a16="http://schemas.microsoft.com/office/drawing/2014/main" id="{730BCDD7-3B54-64B4-AC4C-8C9E598A96A7}"/>
+              </a:ext>
+            </a:extLst>
+          </p:cNvPr>
+          <p:cNvSpPr>
+            <a:spLocks noGrp="1"/>
+          </p:cNvSpPr>
+          <p:nvPr>
+            <p:ph type="title"/>
+            <p:custDataLst>
+              <p:tags r:id="rId1"/>
+            </p:custDataLst>
+          </p:nvPr>
+        </p:nvSpPr>
+        <p:spPr/>
+        <p:txBody>
+          <a:bodyPr/>
+          <a:lstStyle/>
+          <a:p>
+            <a:r>
+              <a:rPr lang="en-US" dirty="0"/>
+              <a:t>Before Thursday</a:t>
+            </a:r>
+          </a:p>
+        </p:txBody>
+      </p:sp>
+      <p:sp>
+        <p:nvSpPr>
+          <p:cNvPr id="3" name="Content Placeholder 2">
+            <a:extLst>
+              <a:ext uri="{FF2B5EF4-FFF2-40B4-BE49-F238E27FC236}">
+                <a16:creationId xmlns:a16="http://schemas.microsoft.com/office/drawing/2014/main" id="{4F007031-CC8E-5F67-C101-0B73914ED5FC}"/>
+              </a:ext>
+            </a:extLst>
+          </p:cNvPr>
+          <p:cNvSpPr>
+            <a:spLocks noGrp="1"/>
+          </p:cNvSpPr>
+          <p:nvPr>
+            <p:ph sz="half" idx="1"/>
+            <p:custDataLst>
+              <p:tags r:id="rId2"/>
+            </p:custDataLst>
+          </p:nvPr>
+        </p:nvSpPr>
+        <p:spPr>
+          <a:xfrm>
+            <a:off x="838199" y="1825625"/>
+            <a:ext cx="10278534" cy="4351338"/>
+          </a:xfrm>
+        </p:spPr>
+        <p:txBody>
+          <a:bodyPr>
+            <a:normAutofit/>
+          </a:bodyPr>
+          <a:lstStyle/>
+          <a:p>
+            <a:pPr marL="0" indent="0">
+              <a:buNone/>
+              <a:defRPr/>
+            </a:pPr>
+            <a:r>
+              <a:rPr kumimoji="0" lang="en-US" sz="2400" strike="noStrike" kern="1200" cap="none" spc="0" normalizeH="0" noProof="0" dirty="0">
+                <a:ln>
+                  <a:noFill/>
+                </a:ln>
+                <a:solidFill>
+                  <a:schemeClr val="tx1">
+                    <a:lumMod val="100000"/>
+                  </a:schemeClr>
+                </a:solidFill>
+                <a:effectLst/>
+                <a:uLnTx/>
+                <a:uFillTx/>
+                <a:latin typeface="Avenir Next LT Pro" panose="020B0504020202020204" pitchFamily="34" charset="0"/>
+                <a:ea typeface="+mn-ea"/>
+                <a:cs typeface="+mn-cs"/>
+              </a:rPr>
+              <a:t>Make sure that you are enrolled in </a:t>
+            </a:r>
+            <a:r>
+              <a:rPr kumimoji="0" lang="en-US" sz="2400" strike="noStrike" kern="1200" cap="none" spc="0" normalizeH="0" noProof="0" dirty="0" err="1">
+                <a:ln>
+                  <a:noFill/>
+                </a:ln>
+                <a:solidFill>
+                  <a:schemeClr val="tx1">
+                    <a:lumMod val="100000"/>
+                  </a:schemeClr>
+                </a:solidFill>
+                <a:effectLst/>
+                <a:uLnTx/>
+                <a:uFillTx/>
+                <a:latin typeface="Avenir Next LT Pro" panose="020B0504020202020204" pitchFamily="34" charset="0"/>
+                <a:ea typeface="+mn-ea"/>
+                <a:cs typeface="+mn-cs"/>
+              </a:rPr>
+              <a:t>Gradescope</a:t>
+            </a:r>
+            <a:r>
+              <a:rPr lang="en-US" sz="2400" dirty="0">
+                <a:solidFill>
+                  <a:schemeClr val="tx1">
+                    <a:lumMod val="100000"/>
+                  </a:schemeClr>
+                </a:solidFill>
+                <a:latin typeface="Avenir Next LT Pro" panose="020B0504020202020204" pitchFamily="34" charset="0"/>
+              </a:rPr>
+              <a:t> and</a:t>
+            </a:r>
+            <a:r>
+              <a:rPr kumimoji="0" lang="en-US" sz="2400" strike="noStrike" kern="1200" cap="none" spc="0" normalizeH="0" noProof="0" dirty="0">
+                <a:ln>
+                  <a:noFill/>
+                </a:ln>
+                <a:solidFill>
+                  <a:schemeClr val="tx1">
+                    <a:lumMod val="100000"/>
+                  </a:schemeClr>
+                </a:solidFill>
+                <a:effectLst/>
+                <a:uLnTx/>
+                <a:uFillTx/>
+                <a:latin typeface="Avenir Next LT Pro" panose="020B0504020202020204" pitchFamily="34" charset="0"/>
+                <a:ea typeface="+mn-ea"/>
+                <a:cs typeface="+mn-cs"/>
+              </a:rPr>
+              <a:t> Piazza sections</a:t>
+            </a:r>
+          </a:p>
+          <a:p>
+            <a:pPr lvl="1">
+              <a:defRPr/>
+            </a:pPr>
+            <a:r>
+              <a:rPr kumimoji="0" lang="en-US" sz="2000" strike="noStrike" kern="1200" cap="none" spc="0" normalizeH="0" noProof="0" dirty="0">
+                <a:ln>
+                  <a:noFill/>
+                </a:ln>
+                <a:solidFill>
+                  <a:schemeClr val="tx1">
+                    <a:lumMod val="100000"/>
+                  </a:schemeClr>
+                </a:solidFill>
+                <a:effectLst/>
+                <a:uLnTx/>
+                <a:uFillTx/>
+                <a:latin typeface="Avenir Next LT Pro" panose="020B0504020202020204" pitchFamily="34" charset="0"/>
+                <a:ea typeface="+mn-ea"/>
+                <a:cs typeface="+mn-cs"/>
+              </a:rPr>
+              <a:t>Piazza signup: </a:t>
+            </a:r>
+            <a:r>
+              <a:rPr lang="en-US" sz="2000" dirty="0">
+                <a:solidFill>
+                  <a:schemeClr val="tx1">
+                    <a:lumMod val="100000"/>
+                  </a:schemeClr>
+                </a:solidFill>
+                <a:latin typeface="Avenir Next LT Pro" panose="020B0504020202020204" pitchFamily="34" charset="0"/>
+                <a:hlinkClick r:id="rId4"/>
+              </a:rPr>
+              <a:t>https://piazza.com/cmu/spring2026/15316</a:t>
+            </a:r>
+            <a:endParaRPr lang="en-US" sz="2000" dirty="0">
+              <a:solidFill>
+                <a:schemeClr val="tx1">
+                  <a:lumMod val="100000"/>
+                </a:schemeClr>
+              </a:solidFill>
+              <a:latin typeface="Avenir Next LT Pro" panose="020B0504020202020204" pitchFamily="34" charset="0"/>
+            </a:endParaRPr>
+          </a:p>
+          <a:p>
+            <a:pPr lvl="1">
+              <a:defRPr/>
+            </a:pPr>
+            <a:r>
+              <a:rPr lang="en-US" sz="2000" dirty="0" err="1">
+                <a:solidFill>
+                  <a:schemeClr val="tx1">
+                    <a:lumMod val="100000"/>
+                  </a:schemeClr>
+                </a:solidFill>
+                <a:latin typeface="Avenir Next LT Pro" panose="020B0504020202020204" pitchFamily="34" charset="0"/>
+              </a:rPr>
+              <a:t>Gradescope</a:t>
+            </a:r>
+            <a:r>
+              <a:rPr lang="en-US" sz="2000" dirty="0">
+                <a:solidFill>
+                  <a:schemeClr val="tx1">
+                    <a:lumMod val="100000"/>
+                  </a:schemeClr>
+                </a:solidFill>
+                <a:latin typeface="Avenir Next LT Pro" panose="020B0504020202020204" pitchFamily="34" charset="0"/>
+              </a:rPr>
+              <a:t> </a:t>
+            </a:r>
+            <a:r>
+              <a:rPr kumimoji="0" lang="en-US" sz="2000" strike="noStrike" kern="1200" cap="none" spc="0" normalizeH="0" noProof="0" dirty="0">
+                <a:ln>
+                  <a:noFill/>
+                </a:ln>
+                <a:solidFill>
+                  <a:schemeClr val="tx1">
+                    <a:lumMod val="100000"/>
+                  </a:schemeClr>
+                </a:solidFill>
+                <a:effectLst/>
+                <a:uLnTx/>
+                <a:uFillTx/>
+                <a:latin typeface="Avenir Next LT Pro" panose="020B0504020202020204" pitchFamily="34" charset="0"/>
+                <a:ea typeface="+mn-ea"/>
+                <a:cs typeface="+mn-cs"/>
+              </a:rPr>
+              <a:t>code: </a:t>
+            </a:r>
+            <a:r>
+              <a:rPr lang="en-US" sz="2000" dirty="0">
+                <a:solidFill>
+                  <a:schemeClr val="tx1">
+                    <a:lumMod val="100000"/>
+                  </a:schemeClr>
+                </a:solidFill>
+                <a:latin typeface="Avenir Next LT Pro" panose="020B0504020202020204" pitchFamily="34" charset="0"/>
+              </a:rPr>
+              <a:t>2D2XJ5</a:t>
+            </a:r>
+            <a:endParaRPr lang="en-US" sz="2000" dirty="0"/>
+          </a:p>
+          <a:p>
+            <a:endParaRPr lang="en-US" sz="2400" dirty="0"/>
+          </a:p>
+        </p:txBody>
+      </p:sp>
+    </p:spTree>
+    <p:extLst>
+      <p:ext uri="{BB962C8B-B14F-4D97-AF65-F5344CB8AC3E}">
+        <p14:creationId xmlns:p14="http://schemas.microsoft.com/office/powerpoint/2010/main" val="2837956559"/>
       </p:ext>
     </p:extLst>
   </p:cSld>
@@ -15319,6 +15744,33 @@
                                   </p:childTnLst>
                                 </p:cTn>
                               </p:par>
+                              <p:par>
+                                <p:cTn id="11" presetID="1" presetClass="entr" presetSubtype="0" fill="hold" nodeType="withEffect">
+                                  <p:stCondLst>
+                                    <p:cond delay="0"/>
+                                  </p:stCondLst>
+                                  <p:childTnLst>
+                                    <p:set>
+                                      <p:cBhvr>
+                                        <p:cTn id="12" dur="1" fill="hold">
+                                          <p:stCondLst>
+                                            <p:cond delay="0"/>
+                                          </p:stCondLst>
+                                        </p:cTn>
+                                        <p:tgtEl>
+                                          <p:spTgt spid="8"/>
+                                        </p:tgtEl>
+                                        <p:attrNameLst>
+                                          <p:attrName>style.visibility</p:attrName>
+                                        </p:attrNameLst>
+                                      </p:cBhvr>
+                                      <p:to>
+                                        <p:strVal val="visible"/>
+                                      </p:to>
+                                    </p:set>
+                                  </p:childTnLst>
+                                </p:cTn>
+                              </p:par>
                             </p:childTnLst>
                           </p:cTn>
                         </p:par>
@@ -15326,26 +15778,26 @@
                     </p:cTn>
                   </p:par>
                   <p:par>
-                    <p:cTn id="11" fill="hold">
+                    <p:cTn id="13" fill="hold">
                       <p:stCondLst>
                         <p:cond delay="indefinite"/>
                       </p:stCondLst>
                       <p:childTnLst>
                         <p:par>
-                          <p:cTn id="12" fill="hold">
+                          <p:cTn id="14" fill="hold">
                             <p:stCondLst>
                               <p:cond delay="0"/>
                             </p:stCondLst>
                             <p:childTnLst>
                               <p:par>
-                                <p:cTn id="13" presetID="1" presetClass="entr" presetSubtype="0" fill="hold" nodeType="clickEffect">
+                                <p:cTn id="15" presetID="1" presetClass="entr" presetSubtype="0" fill="hold" nodeType="clickEffect">
                                   <p:stCondLst>
                                     <p:cond delay="0"/>
                                   </p:stCondLst>
                                   <p:childTnLst>
                                     <p:set>
                                       <p:cBhvr>
-                                        <p:cTn id="14" dur="1" fill="hold">
+                                        <p:cTn id="16" dur="1" fill="hold">
                                           <p:stCondLst>
                                             <p:cond delay="0"/>
                                           </p:stCondLst>
@@ -15371,26 +15823,26 @@
                     </p:cTn>
                   </p:par>
                   <p:par>
-                    <p:cTn id="15" fill="hold">
+                    <p:cTn id="17" fill="hold">
                       <p:stCondLst>
                         <p:cond delay="indefinite"/>
                       </p:stCondLst>
                       <p:childTnLst>
                         <p:par>
-                          <p:cTn id="16" fill="hold">
+                          <p:cTn id="18" fill="hold">
                             <p:stCondLst>
                               <p:cond delay="0"/>
                             </p:stCondLst>
                             <p:childTnLst>
                               <p:par>
-                                <p:cTn id="17" presetID="1" presetClass="entr" presetSubtype="0" fill="hold" nodeType="clickEffect">
+                                <p:cTn id="19" presetID="1" presetClass="entr" presetSubtype="0" fill="hold" nodeType="clickEffect">
                                   <p:stCondLst>
                                     <p:cond delay="0"/>
                                   </p:stCondLst>
                                   <p:childTnLst>
                                     <p:set>
                                       <p:cBhvr>
-                                        <p:cTn id="18" dur="1" fill="hold">
+                                        <p:cTn id="20" dur="1" fill="hold">
                                           <p:stCondLst>
                                             <p:cond delay="0"/>
                                           </p:stCondLst>
@@ -15822,33 +16274,15 @@
                                   </p:childTnLst>
                                 </p:cTn>
                               </p:par>
-                            </p:childTnLst>
-                          </p:cTn>
-                        </p:par>
-                      </p:childTnLst>
-                    </p:cTn>
-                  </p:par>
-                  <p:par>
-                    <p:cTn id="7" fill="hold">
-                      <p:stCondLst>
-                        <p:cond delay="indefinite"/>
-                      </p:stCondLst>
-                      <p:childTnLst>
-                        <p:par>
-                          <p:cTn id="8" fill="hold">
-                            <p:stCondLst>
-                              <p:cond delay="0"/>
-                            </p:stCondLst>
-                            <p:childTnLst>
                               <p:par>
-                                <p:cTn id="9" presetID="1" presetClass="entr" presetSubtype="0" fill="hold" grpId="0" nodeType="clickEffect">
+                                <p:cTn id="7" presetID="1" presetClass="entr" presetSubtype="0" fill="hold" grpId="0" nodeType="withEffect">
                                   <p:stCondLst>
                                     <p:cond delay="0"/>
                                   </p:stCondLst>
                                   <p:childTnLst>
                                     <p:set>
                                       <p:cBhvr>
-                                        <p:cTn id="10" dur="1" fill="hold">
+                                        <p:cTn id="8" dur="1" fill="hold">
                                           <p:stCondLst>
                                             <p:cond delay="0"/>
                                           </p:stCondLst>
@@ -15872,14 +16306,14 @@
                                 </p:cTn>
                               </p:par>
                               <p:par>
-                                <p:cTn id="11" presetID="1" presetClass="entr" presetSubtype="0" fill="hold" grpId="0" nodeType="withEffect">
+                                <p:cTn id="9" presetID="1" presetClass="entr" presetSubtype="0" fill="hold" grpId="0" nodeType="withEffect">
                                   <p:stCondLst>
                                     <p:cond delay="0"/>
                                   </p:stCondLst>
                                   <p:childTnLst>
                                     <p:set>
                                       <p:cBhvr>
-                                        <p:cTn id="12" dur="1" fill="hold">
+                                        <p:cTn id="10" dur="1" fill="hold">
                                           <p:stCondLst>
                                             <p:cond delay="0"/>
                                           </p:stCondLst>
@@ -15909,26 +16343,26 @@
                     </p:cTn>
                   </p:par>
                   <p:par>
-                    <p:cTn id="13" fill="hold">
+                    <p:cTn id="11" fill="hold">
                       <p:stCondLst>
                         <p:cond delay="indefinite"/>
                       </p:stCondLst>
                       <p:childTnLst>
                         <p:par>
-                          <p:cTn id="14" fill="hold">
+                          <p:cTn id="12" fill="hold">
                             <p:stCondLst>
                               <p:cond delay="0"/>
                             </p:stCondLst>
                             <p:childTnLst>
                               <p:par>
-                                <p:cTn id="15" presetID="1" presetClass="entr" presetSubtype="0" fill="hold" grpId="0" nodeType="clickEffect">
+                                <p:cTn id="13" presetID="1" presetClass="entr" presetSubtype="0" fill="hold" grpId="0" nodeType="clickEffect">
                                   <p:stCondLst>
                                     <p:cond delay="0"/>
                                   </p:stCondLst>
                                   <p:childTnLst>
                                     <p:set>
                                       <p:cBhvr>
-                                        <p:cTn id="16" dur="1" fill="hold">
+                                        <p:cTn id="14" dur="1" fill="hold">
                                           <p:stCondLst>
                                             <p:cond delay="0"/>
                                           </p:stCondLst>
@@ -15952,14 +16386,14 @@
                                 </p:cTn>
                               </p:par>
                               <p:par>
-                                <p:cTn id="17" presetID="1" presetClass="entr" presetSubtype="0" fill="hold" grpId="0" nodeType="withEffect">
+                                <p:cTn id="15" presetID="1" presetClass="entr" presetSubtype="0" fill="hold" grpId="0" nodeType="withEffect">
                                   <p:stCondLst>
                                     <p:cond delay="0"/>
                                   </p:stCondLst>
                                   <p:childTnLst>
                                     <p:set>
                                       <p:cBhvr>
-                                        <p:cTn id="18" dur="1" fill="hold">
+                                        <p:cTn id="16" dur="1" fill="hold">
                                           <p:stCondLst>
                                             <p:cond delay="0"/>
                                           </p:stCondLst>
@@ -15989,26 +16423,26 @@
                     </p:cTn>
                   </p:par>
                   <p:par>
-                    <p:cTn id="19" fill="hold">
+                    <p:cTn id="17" fill="hold">
                       <p:stCondLst>
                         <p:cond delay="indefinite"/>
                       </p:stCondLst>
                       <p:childTnLst>
                         <p:par>
-                          <p:cTn id="20" fill="hold">
+                          <p:cTn id="18" fill="hold">
                             <p:stCondLst>
                               <p:cond delay="0"/>
                             </p:stCondLst>
                             <p:childTnLst>
                               <p:par>
-                                <p:cTn id="21" presetID="1" presetClass="entr" presetSubtype="0" fill="hold" grpId="0" nodeType="clickEffect">
+                                <p:cTn id="19" presetID="1" presetClass="entr" presetSubtype="0" fill="hold" grpId="0" nodeType="clickEffect">
                                   <p:stCondLst>
                                     <p:cond delay="0"/>
                                   </p:stCondLst>
                                   <p:childTnLst>
                                     <p:set>
                                       <p:cBhvr>
-                                        <p:cTn id="22" dur="1" fill="hold">
+                                        <p:cTn id="20" dur="1" fill="hold">
                                           <p:stCondLst>
                                             <p:cond delay="0"/>
                                           </p:stCondLst>
@@ -16032,14 +16466,14 @@
                                 </p:cTn>
                               </p:par>
                               <p:par>
-                                <p:cTn id="23" presetID="1" presetClass="entr" presetSubtype="0" fill="hold" grpId="0" nodeType="withEffect">
+                                <p:cTn id="21" presetID="1" presetClass="entr" presetSubtype="0" fill="hold" grpId="0" nodeType="withEffect">
                                   <p:stCondLst>
                                     <p:cond delay="0"/>
                                   </p:stCondLst>
                                   <p:childTnLst>
                                     <p:set>
                                       <p:cBhvr>
-                                        <p:cTn id="24" dur="1" fill="hold">
+                                        <p:cTn id="22" dur="1" fill="hold">
                                           <p:stCondLst>
                                             <p:cond delay="0"/>
                                           </p:stCondLst>
@@ -16069,26 +16503,26 @@
                     </p:cTn>
                   </p:par>
                   <p:par>
-                    <p:cTn id="25" fill="hold">
+                    <p:cTn id="23" fill="hold">
                       <p:stCondLst>
                         <p:cond delay="indefinite"/>
                       </p:stCondLst>
                       <p:childTnLst>
                         <p:par>
-                          <p:cTn id="26" fill="hold">
+                          <p:cTn id="24" fill="hold">
                             <p:stCondLst>
                               <p:cond delay="0"/>
                             </p:stCondLst>
                             <p:childTnLst>
                               <p:par>
-                                <p:cTn id="27" presetID="1" presetClass="entr" presetSubtype="0" fill="hold" grpId="0" nodeType="clickEffect">
+                                <p:cTn id="25" presetID="1" presetClass="entr" presetSubtype="0" fill="hold" grpId="0" nodeType="clickEffect">
                                   <p:stCondLst>
                                     <p:cond delay="0"/>
                                   </p:stCondLst>
                                   <p:childTnLst>
                                     <p:set>
                                       <p:cBhvr>
-                                        <p:cTn id="28" dur="1" fill="hold">
+                                        <p:cTn id="26" dur="1" fill="hold">
                                           <p:stCondLst>
                                             <p:cond delay="0"/>
                                           </p:stCondLst>
@@ -16118,26 +16552,26 @@
                     </p:cTn>
                   </p:par>
                   <p:par>
-                    <p:cTn id="29" fill="hold">
+                    <p:cTn id="27" fill="hold">
                       <p:stCondLst>
                         <p:cond delay="indefinite"/>
                       </p:stCondLst>
                       <p:childTnLst>
                         <p:par>
-                          <p:cTn id="30" fill="hold">
+                          <p:cTn id="28" fill="hold">
                             <p:stCondLst>
                               <p:cond delay="0"/>
                             </p:stCondLst>
                             <p:childTnLst>
                               <p:par>
-                                <p:cTn id="31" presetID="1" presetClass="entr" presetSubtype="0" fill="hold" nodeType="clickEffect">
+                                <p:cTn id="29" presetID="1" presetClass="entr" presetSubtype="0" fill="hold" nodeType="clickEffect">
                                   <p:stCondLst>
                                     <p:cond delay="0"/>
                                   </p:stCondLst>
                                   <p:childTnLst>
                                     <p:set>
                                       <p:cBhvr>
-                                        <p:cTn id="32" dur="1" fill="hold">
+                                        <p:cTn id="30" dur="1" fill="hold">
                                           <p:stCondLst>
                                             <p:cond delay="0"/>
                                           </p:stCondLst>
@@ -16286,7 +16720,7 @@
             </a:r>
             <a:r>
               <a:rPr lang="en-US" sz="2000" i="1" dirty="0"/>
-              <a:t>“With 8 movie ratings (of which 2 may be completely wrong) and dates that may have a 14-day error, 99% of records be uniquely identified in the dataset. For 68%, two ratings and dates (with a 3-day error) are sufficient”</a:t>
+              <a:t>“With 8 movie ratings (of which 2 may be completely wrong) and dates that may have a 14-day error, 99% of records are uniquely identified in the dataset. For 68%, two ratings and dates (with a 3-day error) are sufficient”</a:t>
             </a:r>
           </a:p>
           <a:p>

--- a/2026/lectures/01-intro.pptx
+++ b/2026/lectures/01-intro.pptx
@@ -9249,7 +9249,7 @@
         </p:spPr>
         <p:txBody>
           <a:bodyPr>
-            <a:normAutofit fontScale="92500" lnSpcReduction="20000"/>
+            <a:normAutofit fontScale="85000" lnSpcReduction="20000"/>
           </a:bodyPr>
           <a:lstStyle/>
           <a:p>
@@ -9287,6 +9287,13 @@
             <a:r>
               <a:rPr lang="en-US" sz="2000" dirty="0"/>
               <a:t>Learn to use new tools in the process</a:t>
+            </a:r>
+          </a:p>
+          <a:p>
+            <a:pPr lvl="1"/>
+            <a:r>
+              <a:rPr lang="en-US" sz="2000" dirty="0"/>
+              <a:t>May work with a partner</a:t>
             </a:r>
           </a:p>
           <a:p>
@@ -9411,7 +9418,7 @@
             </a:pPr>
             <a:r>
               <a:rPr lang="en-US" sz="2400" dirty="0"/>
-              <a:t>Complete the labs independently!</a:t>
+              <a:t>How to work with course staff when completing the labs</a:t>
             </a:r>
           </a:p>
           <a:p>
@@ -9425,7 +9432,7 @@
             <a:pPr lvl="1"/>
             <a:r>
               <a:rPr lang="en-US" sz="2000" dirty="0"/>
-              <a:t>We wont help with: debugging code, proposing an approach</a:t>
+              <a:t>We won’t help with: debugging code, proposing an approach</a:t>
             </a:r>
           </a:p>
           <a:p>
